--- a/lesson_1/Presentation/Object+Array.pptx
+++ b/lesson_1/Presentation/Object+Array.pptx
@@ -117,7 +117,7 @@
   </p:defaultTextStyle>
   <p:extLst>
     <p:ext uri="{EFAFB233-063F-42B5-8137-9DF3F51BA10A}">
-      <p15:sldGuideLst xmlns:p15="http://schemas.microsoft.com/office/powerpoint/2012/main" xmlns="">
+      <p15:sldGuideLst xmlns:p15="http://schemas.microsoft.com/office/powerpoint/2012/main">
         <p15:guide id="1" orient="horz" pos="1620">
           <p15:clr>
             <a:srgbClr val="A4A3A4"/>
@@ -141,7 +141,7 @@
       </p15:sldGuideLst>
     </p:ext>
     <p:ext uri="{2D200454-40CA-4A62-9FC3-DE9A4176ACB9}">
-      <p15:notesGuideLst xmlns:p15="http://schemas.microsoft.com/office/powerpoint/2012/main" xmlns="">
+      <p15:notesGuideLst xmlns:p15="http://schemas.microsoft.com/office/powerpoint/2012/main">
         <p15:guide id="1" orient="horz" pos="2880">
           <p15:clr>
             <a:srgbClr val="A4A3A4"/>
@@ -241,7 +241,7 @@
             <a:fld id="{C1951A84-8083-4F68-A786-57C80B44AB3C}" type="datetimeFigureOut">
               <a:rPr lang="en-US" smtClean="0"/>
               <a:pPr/>
-              <a:t>6/7/2016</a:t>
+              <a:t>6/14/2016</a:t>
             </a:fld>
             <a:endParaRPr lang="en-US"/>
           </a:p>
@@ -317,7 +317,7 @@
     </p:spTree>
     <p:extLst>
       <p:ext uri="{BB962C8B-B14F-4D97-AF65-F5344CB8AC3E}">
-        <p14:creationId xmlns:p14="http://schemas.microsoft.com/office/powerpoint/2010/main" xmlns="" val="171833131"/>
+        <p14:creationId xmlns:p14="http://schemas.microsoft.com/office/powerpoint/2010/main" val="171833131"/>
       </p:ext>
     </p:extLst>
   </p:cSld>
@@ -408,7 +408,7 @@
             <a:fld id="{F938EB94-4B54-4539-BEE7-C3885B42E71C}" type="datetimeFigureOut">
               <a:rPr lang="en-US" smtClean="0"/>
               <a:pPr/>
-              <a:t>6/7/2016</a:t>
+              <a:t>6/14/2016</a:t>
             </a:fld>
             <a:endParaRPr lang="en-US"/>
           </a:p>
@@ -472,38 +472,37 @@
           <a:p>
             <a:pPr lvl="0"/>
             <a:r>
-              <a:rPr lang="en-US" smtClean="0"/>
+              <a:rPr lang="en-US"/>
               <a:t>Click to edit Master text styles</a:t>
             </a:r>
           </a:p>
           <a:p>
             <a:pPr lvl="1"/>
             <a:r>
-              <a:rPr lang="en-US" smtClean="0"/>
+              <a:rPr lang="en-US"/>
               <a:t>Second level</a:t>
             </a:r>
           </a:p>
           <a:p>
             <a:pPr lvl="2"/>
             <a:r>
-              <a:rPr lang="en-US" smtClean="0"/>
+              <a:rPr lang="en-US"/>
               <a:t>Third level</a:t>
             </a:r>
           </a:p>
           <a:p>
             <a:pPr lvl="3"/>
             <a:r>
-              <a:rPr lang="en-US" smtClean="0"/>
+              <a:rPr lang="en-US"/>
               <a:t>Fourth level</a:t>
             </a:r>
           </a:p>
           <a:p>
             <a:pPr lvl="4"/>
             <a:r>
-              <a:rPr lang="en-US" smtClean="0"/>
+              <a:rPr lang="en-US"/>
               <a:t>Fifth level</a:t>
             </a:r>
-            <a:endParaRPr lang="en-US"/>
           </a:p>
         </p:txBody>
       </p:sp>
@@ -577,7 +576,7 @@
     </p:spTree>
     <p:extLst>
       <p:ext uri="{BB962C8B-B14F-4D97-AF65-F5344CB8AC3E}">
-        <p14:creationId xmlns:p14="http://schemas.microsoft.com/office/powerpoint/2010/main" xmlns="" val="4273275644"/>
+        <p14:creationId xmlns:p14="http://schemas.microsoft.com/office/powerpoint/2010/main" val="4273275644"/>
       </p:ext>
     </p:extLst>
   </p:cSld>
@@ -732,10 +731,9 @@
           </a:lstStyle>
           <a:p>
             <a:r>
-              <a:rPr lang="en-US" dirty="0" smtClean="0"/>
+              <a:rPr lang="en-US" dirty="0"/>
               <a:t>title style</a:t>
             </a:r>
-            <a:endParaRPr lang="en-US" dirty="0"/>
           </a:p>
         </p:txBody>
       </p:sp>
@@ -855,10 +853,9 @@
           </a:lstStyle>
           <a:p>
             <a:r>
-              <a:rPr lang="en-US" dirty="0" smtClean="0"/>
+              <a:rPr lang="en-US" dirty="0"/>
               <a:t>Click to edit Master subtitle style</a:t>
             </a:r>
-            <a:endParaRPr lang="en-US" dirty="0"/>
           </a:p>
         </p:txBody>
       </p:sp>
@@ -1184,20 +1181,13 @@
     </p:spTree>
     <p:extLst>
       <p:ext uri="{BB962C8B-B14F-4D97-AF65-F5344CB8AC3E}">
-        <p14:creationId xmlns:p14="http://schemas.microsoft.com/office/powerpoint/2010/main" xmlns="" val="3537187278"/>
+        <p14:creationId xmlns:p14="http://schemas.microsoft.com/office/powerpoint/2010/main" val="3537187278"/>
       </p:ext>
     </p:extLst>
   </p:cSld>
   <p:clrMapOvr>
     <a:overrideClrMapping bg1="lt1" tx1="dk1" bg2="lt2" tx2="dk2" accent1="accent1" accent2="accent2" accent3="accent3" accent4="accent4" accent5="accent5" accent6="accent6" hlink="hlink" folHlink="folHlink"/>
   </p:clrMapOvr>
-  <p:timing>
-    <p:tnLst>
-      <p:par>
-        <p:cTn id="1" dur="indefinite" restart="never" nodeType="tmRoot"/>
-      </p:par>
-    </p:tnLst>
-  </p:timing>
 </p:sldLayout>
 </file>
 
@@ -1230,7 +1220,7 @@
           <a:blip r:embed="rId2" cstate="print">
             <a:extLst>
               <a:ext uri="{28A0092B-C50C-407E-A947-70E740481C1C}">
-                <a14:useLocalDpi xmlns:a14="http://schemas.microsoft.com/office/drawing/2010/main" xmlns="" val="0"/>
+                <a14:useLocalDpi xmlns:a14="http://schemas.microsoft.com/office/drawing/2010/main" val="0"/>
               </a:ext>
             </a:extLst>
           </a:blip>
@@ -1254,14 +1244,14 @@
           <a:effectLst/>
           <a:extLst>
             <a:ext uri="{909E8E84-426E-40DD-AFC4-6F175D3DCCD1}">
-              <a14:hiddenFill xmlns:a14="http://schemas.microsoft.com/office/drawing/2010/main" xmlns="">
+              <a14:hiddenFill xmlns:a14="http://schemas.microsoft.com/office/drawing/2010/main">
                 <a:solidFill>
                   <a:schemeClr val="accent1"/>
                 </a:solidFill>
               </a14:hiddenFill>
             </a:ext>
             <a:ext uri="{91240B29-F687-4F45-9708-019B960494DF}">
-              <a14:hiddenLine xmlns:a14="http://schemas.microsoft.com/office/drawing/2010/main" xmlns="" w="9525">
+              <a14:hiddenLine xmlns:a14="http://schemas.microsoft.com/office/drawing/2010/main" w="9525">
                 <a:solidFill>
                   <a:schemeClr val="tx1"/>
                 </a:solidFill>
@@ -1271,7 +1261,7 @@
               </a14:hiddenLine>
             </a:ext>
             <a:ext uri="{AF507438-7753-43E0-B8FC-AC1667EBCBE1}">
-              <a14:hiddenEffects xmlns:a14="http://schemas.microsoft.com/office/drawing/2010/main" xmlns="">
+              <a14:hiddenEffects xmlns:a14="http://schemas.microsoft.com/office/drawing/2010/main">
                 <a:effectLst>
                   <a:outerShdw dist="35921" dir="2700000" algn="ctr" rotWithShape="0">
                     <a:schemeClr val="bg2"/>
@@ -1366,10 +1356,9 @@
           </a:lstStyle>
           <a:p>
             <a:r>
-              <a:rPr lang="en-US" dirty="0" smtClean="0"/>
+              <a:rPr lang="en-US" dirty="0"/>
               <a:t>Click to edit Master title style</a:t>
             </a:r>
-            <a:endParaRPr lang="en-US" dirty="0"/>
           </a:p>
         </p:txBody>
       </p:sp>
@@ -1403,7 +1392,7 @@
           <a:p>
             <a:pPr lvl="4"/>
             <a:r>
-              <a:rPr lang="en-US" dirty="0" smtClean="0"/>
+              <a:rPr lang="en-US" dirty="0"/>
               <a:t>Subtitle</a:t>
             </a:r>
           </a:p>
@@ -1412,20 +1401,13 @@
     </p:spTree>
     <p:extLst>
       <p:ext uri="{BB962C8B-B14F-4D97-AF65-F5344CB8AC3E}">
-        <p14:creationId xmlns:p14="http://schemas.microsoft.com/office/powerpoint/2010/main" xmlns="" val="2097366919"/>
+        <p14:creationId xmlns:p14="http://schemas.microsoft.com/office/powerpoint/2010/main" val="2097366919"/>
       </p:ext>
     </p:extLst>
   </p:cSld>
   <p:clrMapOvr>
     <a:masterClrMapping/>
   </p:clrMapOvr>
-  <p:timing>
-    <p:tnLst>
-      <p:par>
-        <p:cTn id="1" dur="indefinite" restart="never" nodeType="tmRoot"/>
-      </p:par>
-    </p:tnLst>
-  </p:timing>
 </p:sldLayout>
 </file>
 
@@ -1477,17 +1459,16 @@
           <a:lstStyle/>
           <a:p>
             <a:r>
-              <a:rPr lang="en-US" smtClean="0"/>
+              <a:rPr lang="en-US"/>
               <a:t>Click to edit Master title style</a:t>
             </a:r>
-            <a:endParaRPr lang="en-US"/>
           </a:p>
         </p:txBody>
       </p:sp>
     </p:spTree>
     <p:extLst>
       <p:ext uri="{BB962C8B-B14F-4D97-AF65-F5344CB8AC3E}">
-        <p14:creationId xmlns:p14="http://schemas.microsoft.com/office/powerpoint/2010/main" xmlns="" val="779007194"/>
+        <p14:creationId xmlns:p14="http://schemas.microsoft.com/office/powerpoint/2010/main" val="779007194"/>
       </p:ext>
     </p:extLst>
   </p:cSld>
@@ -1496,13 +1477,6 @@
     <p:sldLayoutId id="2147483649" r:id="rId1"/>
     <p:sldLayoutId id="2147483650" r:id="rId2"/>
   </p:sldLayoutIdLst>
-  <p:timing>
-    <p:tnLst>
-      <p:par>
-        <p:cTn id="1" dur="indefinite" restart="never" nodeType="tmRoot"/>
-      </p:par>
-    </p:tnLst>
-  </p:timing>
   <p:txStyles>
     <p:titleStyle>
       <a:lvl1pPr algn="ctr" defTabSz="914400" rtl="0" eaLnBrk="1" latinLnBrk="0" hangingPunct="1">
@@ -1842,7 +1816,7 @@
           <a:lstStyle/>
           <a:p>
             <a:r>
-              <a:rPr lang="ru-RU" sz="2700" dirty="0" smtClean="0">
+              <a:rPr lang="ru-RU" sz="2700" dirty="0">
                 <a:solidFill>
                   <a:schemeClr val="bg1"/>
                 </a:solidFill>
@@ -2041,7 +2015,7 @@
           </a:lstStyle>
           <a:p>
             <a:r>
-              <a:rPr lang="en-US" sz="2700" dirty="0" smtClean="0">
+              <a:rPr lang="en-US" sz="2700" dirty="0">
                 <a:solidFill>
                   <a:schemeClr val="tx1">
                     <a:lumMod val="90000"/>
@@ -2054,17 +2028,6 @@
               </a:rPr>
               <a:t>The JavaScript Programming Language</a:t>
             </a:r>
-            <a:endParaRPr lang="en-US" sz="2700" dirty="0">
-              <a:solidFill>
-                <a:schemeClr val="tx1">
-                  <a:lumMod val="90000"/>
-                  <a:lumOff val="10000"/>
-                </a:schemeClr>
-              </a:solidFill>
-              <a:latin typeface="Roboto Light" panose="02000000000000000000" pitchFamily="2" charset="0"/>
-              <a:ea typeface="Roboto Light" panose="02000000000000000000" pitchFamily="2" charset="0"/>
-              <a:cs typeface="Roboto Light" panose="02000000000000000000" pitchFamily="2" charset="0"/>
-            </a:endParaRPr>
           </a:p>
         </p:txBody>
       </p:sp>
@@ -2080,7 +2043,7 @@
           <a:blip r:embed="rId2" cstate="print">
             <a:extLst>
               <a:ext uri="{28A0092B-C50C-407E-A947-70E740481C1C}">
-                <a14:useLocalDpi xmlns:a14="http://schemas.microsoft.com/office/drawing/2010/main" xmlns="" val="0"/>
+                <a14:useLocalDpi xmlns:a14="http://schemas.microsoft.com/office/drawing/2010/main" val="0"/>
               </a:ext>
             </a:extLst>
           </a:blip>
@@ -2100,7 +2063,7 @@
           <a:noFill/>
           <a:extLst>
             <a:ext uri="{909E8E84-426E-40DD-AFC4-6F175D3DCCD1}">
-              <a14:hiddenFill xmlns:a14="http://schemas.microsoft.com/office/drawing/2010/main" xmlns="">
+              <a14:hiddenFill xmlns:a14="http://schemas.microsoft.com/office/drawing/2010/main">
                 <a:solidFill>
                   <a:srgbClr val="FFFFFF"/>
                 </a:solidFill>
@@ -2132,7 +2095,7 @@
           <a:lstStyle/>
           <a:p>
             <a:r>
-              <a:rPr lang="ru-RU" sz="4400" dirty="0" smtClean="0">
+              <a:rPr lang="ru-RU" sz="4400" dirty="0">
                 <a:solidFill>
                   <a:srgbClr val="7564BC"/>
                 </a:solidFill>
@@ -2149,20 +2112,13 @@
     </p:spTree>
     <p:extLst>
       <p:ext uri="{BB962C8B-B14F-4D97-AF65-F5344CB8AC3E}">
-        <p14:creationId xmlns:p14="http://schemas.microsoft.com/office/powerpoint/2010/main" xmlns="" val="3436223543"/>
+        <p14:creationId xmlns:p14="http://schemas.microsoft.com/office/powerpoint/2010/main" val="3436223543"/>
       </p:ext>
     </p:extLst>
   </p:cSld>
   <p:clrMapOvr>
     <a:masterClrMapping/>
   </p:clrMapOvr>
-  <p:timing>
-    <p:tnLst>
-      <p:par>
-        <p:cTn id="1" dur="indefinite" restart="never" nodeType="tmRoot"/>
-      </p:par>
-    </p:tnLst>
-  </p:timing>
 </p:sld>
 </file>
 
@@ -2201,7 +2157,7 @@
           <a:lstStyle/>
           <a:p>
             <a:r>
-              <a:rPr lang="ru-RU" sz="2700" dirty="0" smtClean="0">
+              <a:rPr lang="ru-RU" sz="2700" dirty="0">
                 <a:latin typeface="Roboto Light" panose="02000000000000000000" pitchFamily="2" charset="0"/>
                 <a:ea typeface="Roboto Light" panose="02000000000000000000" pitchFamily="2" charset="0"/>
                 <a:cs typeface="Roboto Light" panose="02000000000000000000" pitchFamily="2" charset="0"/>
@@ -2209,18 +2165,13 @@
               <a:t>Язык программирования </a:t>
             </a:r>
             <a:r>
-              <a:rPr lang="en-US" sz="2700" dirty="0" smtClean="0">
+              <a:rPr lang="en-US" sz="2700" dirty="0">
                 <a:latin typeface="Roboto Light" panose="02000000000000000000" pitchFamily="2" charset="0"/>
                 <a:ea typeface="Roboto Light" panose="02000000000000000000" pitchFamily="2" charset="0"/>
                 <a:cs typeface="Roboto Light" panose="02000000000000000000" pitchFamily="2" charset="0"/>
               </a:rPr>
               <a:t>JavaScript</a:t>
             </a:r>
-            <a:endParaRPr lang="en-US" sz="2700" dirty="0">
-              <a:latin typeface="Roboto Light" panose="02000000000000000000" pitchFamily="2" charset="0"/>
-              <a:ea typeface="Roboto Light" panose="02000000000000000000" pitchFamily="2" charset="0"/>
-              <a:cs typeface="Roboto Light" panose="02000000000000000000" pitchFamily="2" charset="0"/>
-            </a:endParaRPr>
           </a:p>
         </p:txBody>
       </p:sp>
@@ -2385,7 +2336,7 @@
               <a:buNone/>
             </a:pPr>
             <a:r>
-              <a:rPr lang="ru-RU" sz="2700" dirty="0" smtClean="0">
+              <a:rPr lang="ru-RU" sz="2700" dirty="0">
                 <a:solidFill>
                   <a:schemeClr val="accent1"/>
                 </a:solidFill>
@@ -2466,7 +2417,7 @@
           <a:blip r:embed="rId4" cstate="print">
             <a:extLst>
               <a:ext uri="{28A0092B-C50C-407E-A947-70E740481C1C}">
-                <a14:useLocalDpi xmlns:a14="http://schemas.microsoft.com/office/drawing/2010/main" xmlns="" val="0"/>
+                <a14:useLocalDpi xmlns:a14="http://schemas.microsoft.com/office/drawing/2010/main" val="0"/>
               </a:ext>
             </a:extLst>
           </a:blip>
@@ -2487,20 +2438,13 @@
     </p:spTree>
     <p:extLst>
       <p:ext uri="{BB962C8B-B14F-4D97-AF65-F5344CB8AC3E}">
-        <p14:creationId xmlns:p14="http://schemas.microsoft.com/office/powerpoint/2010/main" xmlns="" val="339667539"/>
+        <p14:creationId xmlns:p14="http://schemas.microsoft.com/office/powerpoint/2010/main" val="339667539"/>
       </p:ext>
     </p:extLst>
   </p:cSld>
   <p:clrMapOvr>
     <a:masterClrMapping/>
   </p:clrMapOvr>
-  <p:timing>
-    <p:tnLst>
-      <p:par>
-        <p:cTn id="1" dur="indefinite" restart="never" nodeType="tmRoot"/>
-      </p:par>
-    </p:tnLst>
-  </p:timing>
 </p:sld>
 </file>
 
@@ -2537,14 +2481,13 @@
           <a:lstStyle/>
           <a:p>
             <a:r>
-              <a:rPr lang="ru-RU" dirty="0" smtClean="0"/>
+              <a:rPr lang="ru-RU" dirty="0"/>
               <a:t>Объекты в </a:t>
             </a:r>
             <a:r>
-              <a:rPr lang="en-US" dirty="0" smtClean="0"/>
+              <a:rPr lang="en-US" dirty="0"/>
               <a:t>JavaScript</a:t>
             </a:r>
-            <a:endParaRPr lang="en-US" dirty="0"/>
           </a:p>
         </p:txBody>
       </p:sp>
@@ -2557,7 +2500,7 @@
         <p:spPr>
           <a:xfrm>
             <a:off x="457200" y="1108710"/>
-            <a:ext cx="8229600" cy="3693319"/>
+            <a:ext cx="8229600" cy="2308324"/>
           </a:xfrm>
           <a:prstGeom prst="rect">
             <a:avLst/>
@@ -2571,95 +2514,110 @@
           <a:lstStyle/>
           <a:p>
             <a:r>
-              <a:rPr lang="ru-RU" b="1" dirty="0" smtClean="0"/>
+              <a:rPr lang="ru-RU" sz="1400" b="1" dirty="0">
+                <a:latin typeface="Calibri" panose="020F0502020204030204" pitchFamily="34" charset="0"/>
+              </a:rPr>
               <a:t>Объекты </a:t>
             </a:r>
             <a:r>
-              <a:rPr lang="ru-RU" dirty="0" smtClean="0"/>
+              <a:rPr lang="ru-RU" sz="1400" dirty="0">
+                <a:latin typeface="Calibri" panose="020F0502020204030204" pitchFamily="34" charset="0"/>
+              </a:rPr>
               <a:t>– это составной тип данных, который объединяет множество значений в единый модуль и позволяет сохранять и извлекать значения по их именам.  </a:t>
             </a:r>
           </a:p>
           <a:p>
-            <a:endParaRPr lang="ru-RU" b="1" dirty="0" smtClean="0"/>
-          </a:p>
-          <a:p>
-            <a:r>
-              <a:rPr lang="ru-RU" dirty="0" smtClean="0"/>
+            <a:endParaRPr lang="ru-RU" sz="1400" b="1" dirty="0">
+              <a:latin typeface="Calibri" panose="020F0502020204030204" pitchFamily="34" charset="0"/>
+            </a:endParaRPr>
+          </a:p>
+          <a:p>
+            <a:r>
+              <a:rPr lang="ru-RU" sz="1400" dirty="0">
+                <a:latin typeface="Calibri" panose="020F0502020204030204" pitchFamily="34" charset="0"/>
+              </a:rPr>
               <a:t>Объекты в </a:t>
             </a:r>
             <a:r>
-              <a:rPr lang="ru-RU" dirty="0" err="1" smtClean="0"/>
+              <a:rPr lang="ru-RU" sz="1400" dirty="0" err="1">
+                <a:latin typeface="Calibri" panose="020F0502020204030204" pitchFamily="34" charset="0"/>
+              </a:rPr>
               <a:t>JavaScript</a:t>
             </a:r>
             <a:r>
-              <a:rPr lang="ru-RU" dirty="0" smtClean="0"/>
-              <a:t> сочетают в себе два важных функционала</a:t>
-            </a:r>
-            <a:r>
-              <a:rPr lang="ru-RU" dirty="0" smtClean="0"/>
+              <a:rPr lang="ru-RU" sz="1400" dirty="0">
+                <a:latin typeface="Calibri" panose="020F0502020204030204" pitchFamily="34" charset="0"/>
+              </a:rPr>
+              <a:t> сочетают в себе два важных функционала. </a:t>
+            </a:r>
+          </a:p>
+          <a:p>
+            <a:endParaRPr lang="ru-RU" sz="1400" dirty="0">
+              <a:latin typeface="Calibri" panose="020F0502020204030204" pitchFamily="34" charset="0"/>
+            </a:endParaRPr>
+          </a:p>
+          <a:p>
+            <a:r>
+              <a:rPr lang="ru-RU" sz="1400" dirty="0">
+                <a:latin typeface="Calibri" panose="020F0502020204030204" pitchFamily="34" charset="0"/>
+              </a:rPr>
+              <a:t>Первый – это </a:t>
+            </a:r>
+            <a:r>
+              <a:rPr lang="ru-RU" sz="1400" b="1" dirty="0">
+                <a:latin typeface="Calibri" panose="020F0502020204030204" pitchFamily="34" charset="0"/>
+              </a:rPr>
+              <a:t>ассоциативный массив</a:t>
+            </a:r>
+            <a:r>
+              <a:rPr lang="ru-RU" sz="1400" dirty="0">
+                <a:latin typeface="Calibri" panose="020F0502020204030204" pitchFamily="34" charset="0"/>
+              </a:rPr>
+              <a:t>: структура, пригодная для хранения любых данных. В этой главе мы рассмотрим использование объектов именно как массивов.</a:t>
+            </a:r>
+          </a:p>
+          <a:p>
+            <a:endParaRPr lang="ru-RU" sz="1400" dirty="0">
+              <a:latin typeface="Calibri" panose="020F0502020204030204" pitchFamily="34" charset="0"/>
+            </a:endParaRPr>
+          </a:p>
+          <a:p>
+            <a:r>
+              <a:rPr lang="ru-RU" sz="1400" dirty="0">
+                <a:latin typeface="Calibri" panose="020F0502020204030204" pitchFamily="34" charset="0"/>
+              </a:rPr>
+              <a:t>Второй – </a:t>
+            </a:r>
+            <a:r>
+              <a:rPr lang="ru-RU" sz="1400" b="1" dirty="0">
+                <a:latin typeface="Calibri" panose="020F0502020204030204" pitchFamily="34" charset="0"/>
+              </a:rPr>
+              <a:t>языковые возможности для объектно-ориентированного программирования</a:t>
+            </a:r>
+            <a:r>
+              <a:rPr lang="ru-RU" sz="1400" dirty="0">
+                <a:latin typeface="Calibri" panose="020F0502020204030204" pitchFamily="34" charset="0"/>
+              </a:rPr>
               <a:t>. </a:t>
             </a:r>
           </a:p>
           <a:p>
-            <a:endParaRPr lang="ru-RU" dirty="0" smtClean="0"/>
-          </a:p>
-          <a:p>
-            <a:r>
-              <a:rPr lang="ru-RU" dirty="0" smtClean="0"/>
-              <a:t>Первый – это </a:t>
-            </a:r>
-            <a:r>
-              <a:rPr lang="ru-RU" b="1" dirty="0" smtClean="0"/>
-              <a:t>ассоциативный массив</a:t>
-            </a:r>
-            <a:r>
-              <a:rPr lang="ru-RU" dirty="0" smtClean="0"/>
-              <a:t>: структура, пригодная для хранения любых данных. В этой главе мы рассмотрим использование объектов именно как </a:t>
-            </a:r>
-            <a:r>
-              <a:rPr lang="ru-RU" dirty="0" smtClean="0"/>
-              <a:t>массивов.</a:t>
-            </a:r>
-          </a:p>
-          <a:p>
-            <a:endParaRPr lang="ru-RU" dirty="0" smtClean="0"/>
-          </a:p>
-          <a:p>
-            <a:r>
-              <a:rPr lang="ru-RU" dirty="0" smtClean="0"/>
-              <a:t>Второй – </a:t>
-            </a:r>
-            <a:r>
-              <a:rPr lang="ru-RU" b="1" dirty="0" smtClean="0"/>
-              <a:t>языковые возможности для объектно-ориентированного программирования</a:t>
-            </a:r>
-            <a:r>
-              <a:rPr lang="ru-RU" dirty="0" smtClean="0"/>
-              <a:t>. </a:t>
-            </a:r>
-          </a:p>
-          <a:p>
-            <a:endParaRPr lang="uk-UA" b="1" dirty="0"/>
+            <a:endParaRPr lang="uk-UA" b="1" dirty="0">
+              <a:latin typeface="Calibri" panose="020F0502020204030204" pitchFamily="34" charset="0"/>
+            </a:endParaRPr>
           </a:p>
         </p:txBody>
       </p:sp>
     </p:spTree>
     <p:extLst>
       <p:ext uri="{BB962C8B-B14F-4D97-AF65-F5344CB8AC3E}">
-        <p14:creationId xmlns:p14="http://schemas.microsoft.com/office/powerpoint/2010/main" xmlns="" val="2972715479"/>
+        <p14:creationId xmlns:p14="http://schemas.microsoft.com/office/powerpoint/2010/main" val="2972715479"/>
       </p:ext>
     </p:extLst>
   </p:cSld>
   <p:clrMapOvr>
     <a:masterClrMapping/>
   </p:clrMapOvr>
-  <p:timing>
-    <p:tnLst>
-      <p:par>
-        <p:cTn id="1" dur="indefinite" restart="never" nodeType="tmRoot"/>
-      </p:par>
-    </p:tnLst>
-  </p:timing>
 </p:sld>
 </file>
 
@@ -2747,11 +2705,11 @@
           <a:lstStyle/>
           <a:p>
             <a:r>
-              <a:rPr lang="ru-RU" dirty="0" smtClean="0"/>
+              <a:rPr lang="ru-RU" dirty="0"/>
               <a:t>Способы создания объектов в </a:t>
             </a:r>
             <a:r>
-              <a:rPr lang="en-US" dirty="0" smtClean="0"/>
+              <a:rPr lang="en-US" dirty="0"/>
               <a:t>JavaScript</a:t>
             </a:r>
             <a:endParaRPr lang="uk-UA" dirty="0"/>
@@ -2767,7 +2725,7 @@
         <p:spPr>
           <a:xfrm>
             <a:off x="548640" y="1291590"/>
-            <a:ext cx="3291840" cy="369332"/>
+            <a:ext cx="3291840" cy="307777"/>
           </a:xfrm>
           <a:prstGeom prst="rect">
             <a:avLst/>
@@ -2780,11 +2738,12 @@
           </a:bodyPr>
           <a:lstStyle/>
           <a:p>
-            <a:r>
-              <a:rPr lang="ru-RU" dirty="0" smtClean="0"/>
+            <a:pPr algn="ctr"/>
+            <a:r>
+              <a:rPr lang="ru-RU" sz="1400" b="1" dirty="0"/>
               <a:t>Через блок инициализации </a:t>
             </a:r>
-            <a:endParaRPr lang="uk-UA" dirty="0"/>
+            <a:endParaRPr lang="uk-UA" sz="1400" b="1" dirty="0"/>
           </a:p>
         </p:txBody>
       </p:sp>
@@ -2840,7 +2799,7 @@
         <p:spPr>
           <a:xfrm>
             <a:off x="5669280" y="1291590"/>
-            <a:ext cx="2377440" cy="369332"/>
+            <a:ext cx="2377440" cy="307777"/>
           </a:xfrm>
           <a:prstGeom prst="rect">
             <a:avLst/>
@@ -2853,11 +2812,12 @@
           </a:bodyPr>
           <a:lstStyle/>
           <a:p>
-            <a:r>
-              <a:rPr lang="ru-RU" dirty="0" smtClean="0"/>
+            <a:pPr algn="ctr"/>
+            <a:r>
+              <a:rPr lang="ru-RU" sz="1400" b="1" dirty="0"/>
               <a:t>Через конструктор </a:t>
             </a:r>
-            <a:endParaRPr lang="uk-UA" dirty="0"/>
+            <a:endParaRPr lang="uk-UA" sz="1400" b="1" dirty="0"/>
           </a:p>
         </p:txBody>
       </p:sp>
@@ -2870,7 +2830,7 @@
         <p:spPr>
           <a:xfrm>
             <a:off x="1097280" y="1992630"/>
-            <a:ext cx="2926080" cy="1754326"/>
+            <a:ext cx="2926080" cy="1169551"/>
           </a:xfrm>
           <a:prstGeom prst="rect">
             <a:avLst/>
@@ -2884,70 +2844,100 @@
           <a:lstStyle/>
           <a:p>
             <a:r>
-              <a:rPr lang="en-US" dirty="0" err="1" smtClean="0">
+              <a:rPr lang="en-US" sz="1400" dirty="0" err="1">
                 <a:solidFill>
                   <a:srgbClr val="0000FF"/>
                 </a:solidFill>
+                <a:latin typeface="Calibri" panose="020F0502020204030204" pitchFamily="34" charset="0"/>
               </a:rPr>
               <a:t>var</a:t>
             </a:r>
             <a:r>
-              <a:rPr lang="en-US" dirty="0" smtClean="0"/>
+              <a:rPr lang="en-US" sz="1400" dirty="0">
+                <a:latin typeface="Calibri" panose="020F0502020204030204" pitchFamily="34" charset="0"/>
+              </a:rPr>
               <a:t> cat = { </a:t>
             </a:r>
           </a:p>
           <a:p>
             <a:r>
-              <a:rPr lang="en-US" dirty="0" smtClean="0"/>
-              <a:t>b</a:t>
-            </a:r>
-            <a:r>
-              <a:rPr lang="en-US" dirty="0" smtClean="0"/>
-              <a:t>reed: ‘</a:t>
-            </a:r>
-            <a:r>
-              <a:rPr lang="en-US" dirty="0" err="1" smtClean="0"/>
+              <a:rPr lang="ru-RU" sz="1400" dirty="0">
+                <a:latin typeface="Calibri" panose="020F0502020204030204" pitchFamily="34" charset="0"/>
+              </a:rPr>
+              <a:t>     </a:t>
+            </a:r>
+            <a:r>
+              <a:rPr lang="en-US" sz="1400" dirty="0">
+                <a:latin typeface="Calibri" panose="020F0502020204030204" pitchFamily="34" charset="0"/>
+              </a:rPr>
+              <a:t>breed: ‘</a:t>
+            </a:r>
+            <a:r>
+              <a:rPr lang="en-US" sz="1400" dirty="0" err="1">
+                <a:latin typeface="Calibri" panose="020F0502020204030204" pitchFamily="34" charset="0"/>
+              </a:rPr>
               <a:t>burmese</a:t>
             </a:r>
             <a:r>
-              <a:rPr lang="en-US" dirty="0" smtClean="0"/>
+              <a:rPr lang="en-US" sz="1400" dirty="0">
+                <a:latin typeface="Calibri" panose="020F0502020204030204" pitchFamily="34" charset="0"/>
+              </a:rPr>
               <a:t>’, </a:t>
             </a:r>
-          </a:p>
-          <a:p>
-            <a:r>
-              <a:rPr lang="en-US" dirty="0" smtClean="0"/>
-              <a:t>w</a:t>
-            </a:r>
-            <a:r>
-              <a:rPr lang="en-US" dirty="0" smtClean="0"/>
-              <a:t>eight: ‘5 kg’</a:t>
-            </a:r>
-          </a:p>
-          <a:p>
-            <a:endParaRPr lang="en-US" dirty="0" smtClean="0"/>
-          </a:p>
-          <a:p>
-            <a:r>
-              <a:rPr lang="en-US" dirty="0" smtClean="0"/>
-              <a:t>e</a:t>
-            </a:r>
-            <a:r>
-              <a:rPr lang="en-US" dirty="0" smtClean="0"/>
-              <a:t>at: function() {   …   }</a:t>
-            </a:r>
-            <a:endParaRPr lang="en-US" dirty="0" smtClean="0"/>
-          </a:p>
-          <a:p>
-            <a:r>
-              <a:rPr lang="en-US" dirty="0" smtClean="0"/>
+            <a:r>
+              <a:rPr lang="ru-RU" sz="1400" dirty="0">
+                <a:latin typeface="Calibri" panose="020F0502020204030204" pitchFamily="34" charset="0"/>
+              </a:rPr>
+              <a:t> </a:t>
+            </a:r>
+            <a:endParaRPr lang="en-US" sz="1400" dirty="0">
+              <a:latin typeface="Calibri" panose="020F0502020204030204" pitchFamily="34" charset="0"/>
+            </a:endParaRPr>
+          </a:p>
+          <a:p>
+            <a:r>
+              <a:rPr lang="ru-RU" sz="1400" dirty="0">
+                <a:latin typeface="Calibri" panose="020F0502020204030204" pitchFamily="34" charset="0"/>
+              </a:rPr>
+              <a:t>     </a:t>
+            </a:r>
+            <a:r>
+              <a:rPr lang="en-US" sz="1400" dirty="0">
+                <a:latin typeface="Calibri" panose="020F0502020204030204" pitchFamily="34" charset="0"/>
+              </a:rPr>
+              <a:t>weight: ‘5 kg’</a:t>
+            </a:r>
+          </a:p>
+          <a:p>
+            <a:r>
+              <a:rPr lang="ru-RU" sz="1400" dirty="0">
+                <a:latin typeface="Calibri" panose="020F0502020204030204" pitchFamily="34" charset="0"/>
+              </a:rPr>
+              <a:t>    </a:t>
+            </a:r>
+            <a:r>
+              <a:rPr lang="en-US" sz="1400" dirty="0">
+                <a:latin typeface="Calibri" panose="020F0502020204030204" pitchFamily="34" charset="0"/>
+              </a:rPr>
+              <a:t>eat: function() {   …   }</a:t>
+            </a:r>
+          </a:p>
+          <a:p>
+            <a:r>
+              <a:rPr lang="en-US" sz="1400" dirty="0">
+                <a:latin typeface="Calibri" panose="020F0502020204030204" pitchFamily="34" charset="0"/>
+              </a:rPr>
               <a:t> }  </a:t>
             </a:r>
             <a:r>
-              <a:rPr lang="ru-RU" dirty="0" smtClean="0"/>
+              <a:rPr lang="ru-RU" sz="1400" dirty="0">
+                <a:latin typeface="Calibri" panose="020F0502020204030204" pitchFamily="34" charset="0"/>
+              </a:rPr>
               <a:t> </a:t>
             </a:r>
-            <a:endParaRPr lang="uk-UA" dirty="0"/>
+            <a:endParaRPr lang="uk-UA" sz="1400" dirty="0">
+              <a:latin typeface="Calibri" panose="020F0502020204030204" pitchFamily="34" charset="0"/>
+            </a:endParaRPr>
           </a:p>
         </p:txBody>
       </p:sp>
@@ -2960,7 +2950,7 @@
         <p:spPr>
           <a:xfrm>
             <a:off x="5029200" y="1992630"/>
-            <a:ext cx="3566160" cy="1477328"/>
+            <a:ext cx="3566160" cy="1169551"/>
           </a:xfrm>
           <a:prstGeom prst="rect">
             <a:avLst/>
@@ -2974,59 +2964,73 @@
           <a:lstStyle/>
           <a:p>
             <a:r>
-              <a:rPr lang="en-US" dirty="0" err="1" smtClean="0">
+              <a:rPr lang="en-US" sz="1400" dirty="0" err="1">
                 <a:solidFill>
                   <a:srgbClr val="0000FF"/>
                 </a:solidFill>
+                <a:latin typeface="Calibri" panose="020F0502020204030204" pitchFamily="34" charset="0"/>
               </a:rPr>
               <a:t>var</a:t>
             </a:r>
             <a:r>
-              <a:rPr lang="en-US" dirty="0" smtClean="0"/>
+              <a:rPr lang="en-US" sz="1400" dirty="0">
+                <a:latin typeface="Calibri" panose="020F0502020204030204" pitchFamily="34" charset="0"/>
+              </a:rPr>
               <a:t> cat = new Object(); </a:t>
             </a:r>
           </a:p>
           <a:p>
-            <a:endParaRPr lang="en-US" dirty="0" smtClean="0"/>
-          </a:p>
-          <a:p>
-            <a:r>
-              <a:rPr lang="en-US" dirty="0" err="1" smtClean="0"/>
+            <a:endParaRPr lang="en-US" sz="1400" dirty="0">
+              <a:latin typeface="Calibri" panose="020F0502020204030204" pitchFamily="34" charset="0"/>
+            </a:endParaRPr>
+          </a:p>
+          <a:p>
+            <a:r>
+              <a:rPr lang="en-US" sz="1400" dirty="0" err="1">
+                <a:latin typeface="Calibri" panose="020F0502020204030204" pitchFamily="34" charset="0"/>
+              </a:rPr>
               <a:t>cat.breed</a:t>
             </a:r>
             <a:r>
-              <a:rPr lang="en-US" dirty="0" smtClean="0"/>
+              <a:rPr lang="en-US" sz="1400" dirty="0">
+                <a:latin typeface="Calibri" panose="020F0502020204030204" pitchFamily="34" charset="0"/>
+              </a:rPr>
               <a:t> = ‘</a:t>
             </a:r>
             <a:r>
-              <a:rPr lang="en-US" dirty="0" err="1" smtClean="0"/>
+              <a:rPr lang="en-US" sz="1400" dirty="0" err="1">
+                <a:latin typeface="Calibri" panose="020F0502020204030204" pitchFamily="34" charset="0"/>
+              </a:rPr>
               <a:t>burmese</a:t>
             </a:r>
             <a:r>
-              <a:rPr lang="en-US" dirty="0" smtClean="0"/>
+              <a:rPr lang="en-US" sz="1400" dirty="0">
+                <a:latin typeface="Calibri" panose="020F0502020204030204" pitchFamily="34" charset="0"/>
+              </a:rPr>
               <a:t>’; </a:t>
             </a:r>
           </a:p>
           <a:p>
             <a:r>
-              <a:rPr lang="en-US" dirty="0" err="1" smtClean="0"/>
+              <a:rPr lang="en-US" sz="1400" dirty="0" err="1">
+                <a:latin typeface="Calibri" panose="020F0502020204030204" pitchFamily="34" charset="0"/>
+              </a:rPr>
               <a:t>cat.weight</a:t>
             </a:r>
             <a:r>
-              <a:rPr lang="en-US" dirty="0" smtClean="0"/>
+              <a:rPr lang="en-US" sz="1400" dirty="0">
+                <a:latin typeface="Calibri" panose="020F0502020204030204" pitchFamily="34" charset="0"/>
+              </a:rPr>
               <a:t> = ‘5 kg’; </a:t>
             </a:r>
           </a:p>
           <a:p>
             <a:r>
-              <a:rPr lang="en-US" dirty="0" smtClean="0"/>
-              <a:t>c</a:t>
-            </a:r>
-            <a:r>
-              <a:rPr lang="en-US" dirty="0" smtClean="0"/>
-              <a:t>at.eat = function() {   …   }</a:t>
-            </a:r>
-            <a:endParaRPr lang="en-US" dirty="0" smtClean="0"/>
+              <a:rPr lang="en-US" sz="1400" dirty="0">
+                <a:latin typeface="Calibri" panose="020F0502020204030204" pitchFamily="34" charset="0"/>
+              </a:rPr>
+              <a:t>cat.eat = function() {   …   }</a:t>
+            </a:r>
           </a:p>
         </p:txBody>
       </p:sp>
@@ -3039,7 +3043,7 @@
         <p:spPr>
           <a:xfrm>
             <a:off x="1097280" y="4219456"/>
-            <a:ext cx="7498080" cy="369332"/>
+            <a:ext cx="7498080" cy="307777"/>
           </a:xfrm>
           <a:prstGeom prst="rect">
             <a:avLst/>
@@ -3053,30 +3057,27 @@
           <a:lstStyle/>
           <a:p>
             <a:r>
-              <a:rPr lang="ru-RU" dirty="0" smtClean="0"/>
+              <a:rPr lang="ru-RU" sz="1400" dirty="0">
+                <a:latin typeface="Calibri" panose="020F0502020204030204" pitchFamily="34" charset="0"/>
+              </a:rPr>
               <a:t>Функции, которые находятся в объекте, называются методами</a:t>
             </a:r>
-            <a:endParaRPr lang="uk-UA" dirty="0"/>
+            <a:endParaRPr lang="uk-UA" sz="1400" dirty="0">
+              <a:latin typeface="Calibri" panose="020F0502020204030204" pitchFamily="34" charset="0"/>
+            </a:endParaRPr>
           </a:p>
         </p:txBody>
       </p:sp>
     </p:spTree>
     <p:extLst>
       <p:ext uri="{BB962C8B-B14F-4D97-AF65-F5344CB8AC3E}">
-        <p14:creationId xmlns:p14="http://schemas.microsoft.com/office/powerpoint/2010/main" xmlns="" val="1440386950"/>
+        <p14:creationId xmlns:p14="http://schemas.microsoft.com/office/powerpoint/2010/main" val="1440386950"/>
       </p:ext>
     </p:extLst>
   </p:cSld>
   <p:clrMapOvr>
     <a:masterClrMapping/>
   </p:clrMapOvr>
-  <p:timing>
-    <p:tnLst>
-      <p:par>
-        <p:cTn id="1" dur="indefinite" restart="never" nodeType="tmRoot"/>
-      </p:par>
-    </p:tnLst>
-  </p:timing>
 </p:sld>
 </file>
 
@@ -3120,14 +3121,13 @@
           <a:lstStyle/>
           <a:p>
             <a:r>
-              <a:rPr lang="ru-RU" dirty="0" smtClean="0"/>
+              <a:rPr lang="ru-RU" dirty="0"/>
               <a:t>Массивы в </a:t>
             </a:r>
             <a:r>
-              <a:rPr lang="en-US" dirty="0" smtClean="0"/>
+              <a:rPr lang="en-US" dirty="0"/>
               <a:t>JavaScript</a:t>
             </a:r>
-            <a:endParaRPr lang="en-US" dirty="0"/>
           </a:p>
         </p:txBody>
       </p:sp>
@@ -3140,7 +3140,7 @@
         <p:spPr>
           <a:xfrm>
             <a:off x="457200" y="1291590"/>
-            <a:ext cx="2651760" cy="3139321"/>
+            <a:ext cx="2651760" cy="1815882"/>
           </a:xfrm>
           <a:prstGeom prst="rect">
             <a:avLst/>
@@ -3154,18 +3154,17 @@
           <a:lstStyle/>
           <a:p>
             <a:r>
-              <a:rPr lang="ru-RU" b="1" dirty="0" smtClean="0"/>
+              <a:rPr lang="ru-RU" sz="1400" b="1" dirty="0">
+                <a:latin typeface="Calibri" panose="020F0502020204030204" pitchFamily="34" charset="0"/>
+              </a:rPr>
               <a:t>Массив</a:t>
             </a:r>
             <a:r>
-              <a:rPr lang="ru-RU" dirty="0" smtClean="0"/>
-              <a:t> – разновидность объекта, которая предназначена для хранения пронумерованных значений и предлагает дополнительные методы для удобного манипулирования такой коллекцией</a:t>
-            </a:r>
-            <a:r>
-              <a:rPr lang="ru-RU" dirty="0" smtClean="0"/>
-              <a:t>.</a:t>
-            </a:r>
-            <a:endParaRPr lang="ru-RU" dirty="0" smtClean="0"/>
+              <a:rPr lang="ru-RU" sz="1400" dirty="0">
+                <a:latin typeface="Calibri" panose="020F0502020204030204" pitchFamily="34" charset="0"/>
+              </a:rPr>
+              <a:t> – разновидность объекта, которая предназначена для хранения пронумерованных значений и предлагает дополнительные методы для удобного манипулирования такой коллекцией.</a:t>
+            </a:r>
           </a:p>
         </p:txBody>
       </p:sp>
@@ -3198,20 +3197,13 @@
     </p:spTree>
     <p:extLst>
       <p:ext uri="{BB962C8B-B14F-4D97-AF65-F5344CB8AC3E}">
-        <p14:creationId xmlns:p14="http://schemas.microsoft.com/office/powerpoint/2010/main" xmlns="" val="2408212743"/>
+        <p14:creationId xmlns:p14="http://schemas.microsoft.com/office/powerpoint/2010/main" val="2408212743"/>
       </p:ext>
     </p:extLst>
   </p:cSld>
   <p:clrMapOvr>
     <a:masterClrMapping/>
   </p:clrMapOvr>
-  <p:timing>
-    <p:tnLst>
-      <p:par>
-        <p:cTn id="1" dur="indefinite" restart="never" nodeType="tmRoot"/>
-      </p:par>
-    </p:tnLst>
-  </p:timing>
 </p:sld>
 </file>
 
@@ -3255,14 +3247,13 @@
           <a:lstStyle/>
           <a:p>
             <a:r>
-              <a:rPr lang="ru-RU" dirty="0" smtClean="0"/>
+              <a:rPr lang="ru-RU" dirty="0"/>
               <a:t>Виды массивов </a:t>
             </a:r>
             <a:r>
-              <a:rPr lang="en-US" dirty="0" smtClean="0"/>
+              <a:rPr lang="en-US" dirty="0"/>
               <a:t>JavaScript</a:t>
             </a:r>
-            <a:endParaRPr lang="en-US" dirty="0"/>
           </a:p>
         </p:txBody>
       </p:sp>
@@ -3418,7 +3409,7 @@
         <p:spPr>
           <a:xfrm>
             <a:off x="731520" y="1657350"/>
-            <a:ext cx="3657600" cy="2862322"/>
+            <a:ext cx="3657600" cy="2246769"/>
           </a:xfrm>
           <a:prstGeom prst="rect">
             <a:avLst/>
@@ -3432,122 +3423,164 @@
           <a:lstStyle/>
           <a:p>
             <a:r>
-              <a:rPr lang="en-US" dirty="0" smtClean="0"/>
+              <a:rPr lang="en-US" sz="1400" dirty="0">
+                <a:latin typeface="Calibri" panose="020F0502020204030204" pitchFamily="34" charset="0"/>
+              </a:rPr>
               <a:t>      </a:t>
             </a:r>
             <a:r>
-              <a:rPr lang="ru-RU" dirty="0" smtClean="0"/>
+              <a:rPr lang="ru-RU" sz="1400" dirty="0">
+                <a:latin typeface="Calibri" panose="020F0502020204030204" pitchFamily="34" charset="0"/>
+              </a:rPr>
               <a:t>Одномерные</a:t>
             </a:r>
             <a:r>
-              <a:rPr lang="en-US" dirty="0" smtClean="0"/>
+              <a:rPr lang="en-US" sz="1400" dirty="0">
+                <a:latin typeface="Calibri" panose="020F0502020204030204" pitchFamily="34" charset="0"/>
+              </a:rPr>
               <a:t>:  </a:t>
             </a:r>
           </a:p>
           <a:p>
-            <a:endParaRPr lang="en-US" dirty="0" smtClean="0"/>
-          </a:p>
-          <a:p>
-            <a:r>
-              <a:rPr lang="en-US" dirty="0" err="1" smtClean="0">
+            <a:endParaRPr lang="en-US" sz="1400" dirty="0">
+              <a:latin typeface="Calibri" panose="020F0502020204030204" pitchFamily="34" charset="0"/>
+            </a:endParaRPr>
+          </a:p>
+          <a:p>
+            <a:r>
+              <a:rPr lang="en-US" sz="1400" dirty="0" err="1">
                 <a:solidFill>
                   <a:srgbClr val="0000FF"/>
                 </a:solidFill>
-              </a:rPr>
-              <a:t>v</a:t>
-            </a:r>
-            <a:r>
-              <a:rPr lang="en-US" dirty="0" err="1" smtClean="0">
+                <a:latin typeface="Calibri" panose="020F0502020204030204" pitchFamily="34" charset="0"/>
+              </a:rPr>
+              <a:t>var</a:t>
+            </a:r>
+            <a:r>
+              <a:rPr lang="en-US" sz="1400" dirty="0">
                 <a:solidFill>
                   <a:srgbClr val="0000FF"/>
                 </a:solidFill>
-              </a:rPr>
-              <a:t>ar</a:t>
-            </a:r>
-            <a:r>
-              <a:rPr lang="en-US" dirty="0" smtClean="0">
+                <a:latin typeface="Calibri" panose="020F0502020204030204" pitchFamily="34" charset="0"/>
+              </a:rPr>
+              <a:t> </a:t>
+            </a:r>
+            <a:r>
+              <a:rPr lang="en-US" sz="1400" dirty="0">
+                <a:latin typeface="Calibri" panose="020F0502020204030204" pitchFamily="34" charset="0"/>
+              </a:rPr>
+              <a:t>array = </a:t>
+            </a:r>
+            <a:r>
+              <a:rPr lang="en-US" sz="1400" dirty="0">
                 <a:solidFill>
                   <a:srgbClr val="0000FF"/>
                 </a:solidFill>
+                <a:latin typeface="Calibri" panose="020F0502020204030204" pitchFamily="34" charset="0"/>
+              </a:rPr>
+              <a:t>new</a:t>
+            </a:r>
+            <a:r>
+              <a:rPr lang="en-US" sz="1400" dirty="0">
+                <a:latin typeface="Calibri" panose="020F0502020204030204" pitchFamily="34" charset="0"/>
+              </a:rPr>
+              <a:t> Array(5); </a:t>
+            </a:r>
+          </a:p>
+          <a:p>
+            <a:endParaRPr lang="en-US" sz="1400" dirty="0">
+              <a:latin typeface="Calibri" panose="020F0502020204030204" pitchFamily="34" charset="0"/>
+            </a:endParaRPr>
+          </a:p>
+          <a:p>
+            <a:r>
+              <a:rPr lang="en-US" sz="1400" dirty="0" err="1">
+                <a:solidFill>
+                  <a:srgbClr val="0000FF"/>
+                </a:solidFill>
+                <a:latin typeface="Calibri" panose="020F0502020204030204" pitchFamily="34" charset="0"/>
+              </a:rPr>
+              <a:t>var</a:t>
+            </a:r>
+            <a:r>
+              <a:rPr lang="en-US" sz="1400" dirty="0">
+                <a:solidFill>
+                  <a:srgbClr val="0000FF"/>
+                </a:solidFill>
+                <a:latin typeface="Calibri" panose="020F0502020204030204" pitchFamily="34" charset="0"/>
               </a:rPr>
               <a:t> </a:t>
             </a:r>
             <a:r>
-              <a:rPr lang="en-US" dirty="0" smtClean="0"/>
-              <a:t>array = Array(5); </a:t>
-            </a:r>
-          </a:p>
-          <a:p>
-            <a:endParaRPr lang="en-US" dirty="0" smtClean="0"/>
-          </a:p>
-          <a:p>
-            <a:r>
-              <a:rPr lang="en-US" dirty="0" err="1" smtClean="0">
+              <a:rPr lang="en-US" sz="1400" dirty="0">
+                <a:latin typeface="Calibri" panose="020F0502020204030204" pitchFamily="34" charset="0"/>
+              </a:rPr>
+              <a:t>array = </a:t>
+            </a:r>
+            <a:r>
+              <a:rPr lang="en-US" sz="1400" dirty="0">
                 <a:solidFill>
                   <a:srgbClr val="0000FF"/>
                 </a:solidFill>
+                <a:latin typeface="Calibri" panose="020F0502020204030204" pitchFamily="34" charset="0"/>
+              </a:rPr>
+              <a:t>new</a:t>
+            </a:r>
+            <a:r>
+              <a:rPr lang="en-US" sz="1400" dirty="0">
+                <a:latin typeface="Calibri" panose="020F0502020204030204" pitchFamily="34" charset="0"/>
+              </a:rPr>
+              <a:t> Array(1, 2, 3, 4, 5);  </a:t>
+            </a:r>
+          </a:p>
+          <a:p>
+            <a:r>
+              <a:rPr lang="en-US" sz="1400" dirty="0">
+                <a:latin typeface="Calibri" panose="020F0502020204030204" pitchFamily="34" charset="0"/>
+              </a:rPr>
+              <a:t> </a:t>
+            </a:r>
+          </a:p>
+          <a:p>
+            <a:r>
+              <a:rPr lang="en-US" sz="1400" dirty="0" err="1">
+                <a:solidFill>
+                  <a:srgbClr val="0000FF"/>
+                </a:solidFill>
+                <a:latin typeface="Calibri" panose="020F0502020204030204" pitchFamily="34" charset="0"/>
               </a:rPr>
               <a:t>var</a:t>
             </a:r>
             <a:r>
-              <a:rPr lang="en-US" dirty="0" smtClean="0">
+              <a:rPr lang="en-US" sz="1400" dirty="0">
                 <a:solidFill>
                   <a:srgbClr val="0000FF"/>
                 </a:solidFill>
+                <a:latin typeface="Calibri" panose="020F0502020204030204" pitchFamily="34" charset="0"/>
               </a:rPr>
               <a:t> </a:t>
             </a:r>
             <a:r>
-              <a:rPr lang="en-US" dirty="0" smtClean="0"/>
-              <a:t>array = </a:t>
-            </a:r>
-            <a:r>
-              <a:rPr lang="en-US" dirty="0" smtClean="0"/>
-              <a:t>Array(1, 2, 3, 4, 5);  </a:t>
-            </a:r>
-          </a:p>
-          <a:p>
-            <a:r>
-              <a:rPr lang="en-US" dirty="0" smtClean="0"/>
-              <a:t> </a:t>
-            </a:r>
-            <a:endParaRPr lang="en-US" dirty="0" smtClean="0"/>
-          </a:p>
-          <a:p>
-            <a:r>
-              <a:rPr lang="en-US" dirty="0" err="1" smtClean="0">
-                <a:solidFill>
-                  <a:srgbClr val="0000FF"/>
-                </a:solidFill>
-              </a:rPr>
-              <a:t>var</a:t>
-            </a:r>
-            <a:r>
-              <a:rPr lang="en-US" dirty="0" smtClean="0">
-                <a:solidFill>
-                  <a:srgbClr val="0000FF"/>
-                </a:solidFill>
-              </a:rPr>
-              <a:t> </a:t>
-            </a:r>
-            <a:r>
-              <a:rPr lang="en-US" dirty="0" smtClean="0"/>
-              <a:t>array = </a:t>
-            </a:r>
-            <a:r>
-              <a:rPr lang="en-US" dirty="0" smtClean="0"/>
-              <a:t>[1, 2, 3, 4, 5]</a:t>
-            </a:r>
-            <a:endParaRPr lang="en-US" dirty="0" smtClean="0"/>
-          </a:p>
-          <a:p>
-            <a:endParaRPr lang="en-US" dirty="0" smtClean="0"/>
-          </a:p>
-          <a:p>
-            <a:endParaRPr lang="en-US" dirty="0" smtClean="0"/>
-          </a:p>
-          <a:p>
-            <a:endParaRPr lang="uk-UA" dirty="0"/>
+              <a:rPr lang="en-US" sz="1400" dirty="0">
+                <a:latin typeface="Calibri" panose="020F0502020204030204" pitchFamily="34" charset="0"/>
+              </a:rPr>
+              <a:t>array = [1, 2, 3, 4, 5]</a:t>
+            </a:r>
+          </a:p>
+          <a:p>
+            <a:endParaRPr lang="en-US" sz="1400" dirty="0">
+              <a:latin typeface="Calibri" panose="020F0502020204030204" pitchFamily="34" charset="0"/>
+            </a:endParaRPr>
+          </a:p>
+          <a:p>
+            <a:endParaRPr lang="en-US" sz="1400" dirty="0">
+              <a:latin typeface="Calibri" panose="020F0502020204030204" pitchFamily="34" charset="0"/>
+            </a:endParaRPr>
+          </a:p>
+          <a:p>
+            <a:endParaRPr lang="uk-UA" sz="1400" dirty="0">
+              <a:latin typeface="Calibri" panose="020F0502020204030204" pitchFamily="34" charset="0"/>
+            </a:endParaRPr>
           </a:p>
         </p:txBody>
       </p:sp>
@@ -3560,7 +3593,7 @@
         <p:spPr>
           <a:xfrm>
             <a:off x="5486400" y="1657350"/>
-            <a:ext cx="3200400" cy="3139321"/>
+            <a:ext cx="3200400" cy="2462213"/>
           </a:xfrm>
           <a:prstGeom prst="rect">
             <a:avLst/>
@@ -3574,193 +3607,209 @@
           <a:lstStyle/>
           <a:p>
             <a:r>
-              <a:rPr lang="en-US" dirty="0" smtClean="0"/>
+              <a:rPr lang="en-US" sz="1400" dirty="0">
+                <a:latin typeface="Calibri" panose="020F0502020204030204" pitchFamily="34" charset="0"/>
+              </a:rPr>
               <a:t>           </a:t>
             </a:r>
             <a:r>
-              <a:rPr lang="ru-RU" dirty="0" smtClean="0"/>
+              <a:rPr lang="ru-RU" sz="1400" dirty="0">
+                <a:latin typeface="Calibri" panose="020F0502020204030204" pitchFamily="34" charset="0"/>
+              </a:rPr>
               <a:t>Многомерные</a:t>
             </a:r>
             <a:r>
-              <a:rPr lang="en-US" dirty="0" smtClean="0"/>
+              <a:rPr lang="en-US" sz="1400" dirty="0">
+                <a:latin typeface="Calibri" panose="020F0502020204030204" pitchFamily="34" charset="0"/>
+              </a:rPr>
               <a:t>: </a:t>
             </a:r>
           </a:p>
           <a:p>
             <a:r>
-              <a:rPr lang="en-US" dirty="0" smtClean="0"/>
+              <a:rPr lang="en-US" sz="1400" dirty="0">
+                <a:latin typeface="Calibri" panose="020F0502020204030204" pitchFamily="34" charset="0"/>
+              </a:rPr>
               <a:t> </a:t>
             </a:r>
           </a:p>
           <a:p>
             <a:r>
-              <a:rPr lang="en-US" dirty="0" err="1" smtClean="0">
+              <a:rPr lang="en-US" sz="1400" dirty="0" err="1">
                 <a:solidFill>
                   <a:srgbClr val="0000FF"/>
                 </a:solidFill>
+                <a:latin typeface="Calibri" panose="020F0502020204030204" pitchFamily="34" charset="0"/>
               </a:rPr>
               <a:t>var</a:t>
             </a:r>
             <a:r>
-              <a:rPr lang="en-US" dirty="0" smtClean="0">
+              <a:rPr lang="en-US" sz="1400" dirty="0">
                 <a:solidFill>
                   <a:srgbClr val="0000FF"/>
                 </a:solidFill>
+                <a:latin typeface="Calibri" panose="020F0502020204030204" pitchFamily="34" charset="0"/>
               </a:rPr>
               <a:t> </a:t>
             </a:r>
             <a:r>
-              <a:rPr lang="en-US" dirty="0" smtClean="0"/>
+              <a:rPr lang="en-US" sz="1400" dirty="0">
+                <a:latin typeface="Calibri" panose="020F0502020204030204" pitchFamily="34" charset="0"/>
+              </a:rPr>
               <a:t>array = Array(5); </a:t>
             </a:r>
           </a:p>
           <a:p>
-            <a:endParaRPr lang="en-US" dirty="0" smtClean="0"/>
-          </a:p>
-          <a:p>
-            <a:r>
-              <a:rPr lang="en-US" dirty="0" smtClean="0"/>
-              <a:t>a</a:t>
-            </a:r>
-            <a:r>
-              <a:rPr lang="en-US" dirty="0" smtClean="0"/>
-              <a:t>rray[0] = </a:t>
-            </a:r>
-            <a:r>
-              <a:rPr lang="en-US" dirty="0" smtClean="0">
+            <a:endParaRPr lang="en-US" sz="1400" dirty="0">
+              <a:latin typeface="Calibri" panose="020F0502020204030204" pitchFamily="34" charset="0"/>
+            </a:endParaRPr>
+          </a:p>
+          <a:p>
+            <a:r>
+              <a:rPr lang="en-US" sz="1400" dirty="0">
+                <a:latin typeface="Calibri" panose="020F0502020204030204" pitchFamily="34" charset="0"/>
+              </a:rPr>
+              <a:t>array[0] = </a:t>
+            </a:r>
+            <a:r>
+              <a:rPr lang="en-US" sz="1400" dirty="0">
                 <a:solidFill>
                   <a:srgbClr val="0000FF"/>
                 </a:solidFill>
+                <a:latin typeface="Calibri" panose="020F0502020204030204" pitchFamily="34" charset="0"/>
               </a:rPr>
               <a:t>new</a:t>
             </a:r>
             <a:r>
-              <a:rPr lang="en-US" dirty="0" smtClean="0"/>
+              <a:rPr lang="en-US" sz="1400" dirty="0">
+                <a:latin typeface="Calibri" panose="020F0502020204030204" pitchFamily="34" charset="0"/>
+              </a:rPr>
               <a:t> Array(5); </a:t>
             </a:r>
           </a:p>
           <a:p>
             <a:r>
-              <a:rPr lang="en-US" dirty="0" smtClean="0"/>
-              <a:t>array[1] </a:t>
-            </a:r>
-            <a:r>
-              <a:rPr lang="en-US" dirty="0" smtClean="0"/>
-              <a:t>= </a:t>
-            </a:r>
-            <a:r>
-              <a:rPr lang="en-US" dirty="0" smtClean="0">
+              <a:rPr lang="en-US" sz="1400" dirty="0">
+                <a:latin typeface="Calibri" panose="020F0502020204030204" pitchFamily="34" charset="0"/>
+              </a:rPr>
+              <a:t>array[1] = </a:t>
+            </a:r>
+            <a:r>
+              <a:rPr lang="en-US" sz="1400" dirty="0">
                 <a:solidFill>
                   <a:srgbClr val="0000FF"/>
                 </a:solidFill>
+                <a:latin typeface="Calibri" panose="020F0502020204030204" pitchFamily="34" charset="0"/>
               </a:rPr>
               <a:t>new</a:t>
             </a:r>
             <a:r>
-              <a:rPr lang="en-US" dirty="0" smtClean="0"/>
+              <a:rPr lang="en-US" sz="1400" dirty="0">
+                <a:latin typeface="Calibri" panose="020F0502020204030204" pitchFamily="34" charset="0"/>
+              </a:rPr>
               <a:t> Array(5); </a:t>
             </a:r>
-            <a:endParaRPr lang="en-US" dirty="0" smtClean="0"/>
-          </a:p>
-          <a:p>
-            <a:r>
-              <a:rPr lang="en-US" dirty="0" smtClean="0"/>
-              <a:t>array[2] </a:t>
-            </a:r>
-            <a:r>
-              <a:rPr lang="en-US" dirty="0" smtClean="0"/>
-              <a:t>= </a:t>
-            </a:r>
-            <a:r>
-              <a:rPr lang="en-US" dirty="0" smtClean="0">
+          </a:p>
+          <a:p>
+            <a:r>
+              <a:rPr lang="en-US" sz="1400" dirty="0">
+                <a:latin typeface="Calibri" panose="020F0502020204030204" pitchFamily="34" charset="0"/>
+              </a:rPr>
+              <a:t>array[2] = </a:t>
+            </a:r>
+            <a:r>
+              <a:rPr lang="en-US" sz="1400" dirty="0">
                 <a:solidFill>
                   <a:srgbClr val="0000FF"/>
                 </a:solidFill>
+                <a:latin typeface="Calibri" panose="020F0502020204030204" pitchFamily="34" charset="0"/>
               </a:rPr>
               <a:t>new</a:t>
             </a:r>
             <a:r>
-              <a:rPr lang="en-US" dirty="0" smtClean="0"/>
+              <a:rPr lang="en-US" sz="1400" dirty="0">
+                <a:latin typeface="Calibri" panose="020F0502020204030204" pitchFamily="34" charset="0"/>
+              </a:rPr>
               <a:t> Array(5); </a:t>
             </a:r>
           </a:p>
           <a:p>
             <a:r>
-              <a:rPr lang="en-US" dirty="0" smtClean="0"/>
-              <a:t>array[3] </a:t>
-            </a:r>
-            <a:r>
-              <a:rPr lang="en-US" dirty="0" smtClean="0"/>
-              <a:t>= </a:t>
-            </a:r>
-            <a:r>
-              <a:rPr lang="en-US" dirty="0" smtClean="0">
+              <a:rPr lang="en-US" sz="1400" dirty="0">
+                <a:latin typeface="Calibri" panose="020F0502020204030204" pitchFamily="34" charset="0"/>
+              </a:rPr>
+              <a:t>array[3] = </a:t>
+            </a:r>
+            <a:r>
+              <a:rPr lang="en-US" sz="1400" dirty="0">
                 <a:solidFill>
                   <a:srgbClr val="0000FF"/>
                 </a:solidFill>
+                <a:latin typeface="Calibri" panose="020F0502020204030204" pitchFamily="34" charset="0"/>
               </a:rPr>
               <a:t>new</a:t>
             </a:r>
             <a:r>
-              <a:rPr lang="en-US" dirty="0" smtClean="0"/>
+              <a:rPr lang="en-US" sz="1400" dirty="0">
+                <a:latin typeface="Calibri" panose="020F0502020204030204" pitchFamily="34" charset="0"/>
+              </a:rPr>
               <a:t> Array(5); </a:t>
             </a:r>
           </a:p>
           <a:p>
             <a:r>
-              <a:rPr lang="en-US" dirty="0" smtClean="0"/>
-              <a:t>array[4] </a:t>
-            </a:r>
-            <a:r>
-              <a:rPr lang="en-US" dirty="0" smtClean="0"/>
-              <a:t>= </a:t>
-            </a:r>
-            <a:r>
-              <a:rPr lang="en-US" dirty="0" smtClean="0">
+              <a:rPr lang="en-US" sz="1400" dirty="0">
+                <a:latin typeface="Calibri" panose="020F0502020204030204" pitchFamily="34" charset="0"/>
+              </a:rPr>
+              <a:t>array[4] = </a:t>
+            </a:r>
+            <a:r>
+              <a:rPr lang="en-US" sz="1400" dirty="0">
                 <a:solidFill>
                   <a:srgbClr val="0000FF"/>
                 </a:solidFill>
+                <a:latin typeface="Calibri" panose="020F0502020204030204" pitchFamily="34" charset="0"/>
               </a:rPr>
               <a:t>new</a:t>
             </a:r>
             <a:r>
-              <a:rPr lang="en-US" dirty="0" smtClean="0"/>
+              <a:rPr lang="en-US" sz="1400" dirty="0">
+                <a:latin typeface="Calibri" panose="020F0502020204030204" pitchFamily="34" charset="0"/>
+              </a:rPr>
               <a:t> Array(5); </a:t>
             </a:r>
           </a:p>
           <a:p>
             <a:r>
-              <a:rPr lang="en-US" dirty="0" smtClean="0"/>
+              <a:rPr lang="en-US" sz="1400" dirty="0">
+                <a:latin typeface="Calibri" panose="020F0502020204030204" pitchFamily="34" charset="0"/>
+              </a:rPr>
               <a:t> </a:t>
             </a:r>
-            <a:endParaRPr lang="en-US" dirty="0" smtClean="0"/>
-          </a:p>
-          <a:p>
-            <a:r>
-              <a:rPr lang="en-US" dirty="0" smtClean="0"/>
+          </a:p>
+          <a:p>
+            <a:r>
+              <a:rPr lang="en-US" sz="1400" dirty="0">
+                <a:latin typeface="Calibri" panose="020F0502020204030204" pitchFamily="34" charset="0"/>
+              </a:rPr>
               <a:t> </a:t>
             </a:r>
-            <a:endParaRPr lang="uk-UA" dirty="0"/>
+            <a:endParaRPr lang="uk-UA" sz="1400" dirty="0">
+              <a:latin typeface="Calibri" panose="020F0502020204030204" pitchFamily="34" charset="0"/>
+            </a:endParaRPr>
           </a:p>
         </p:txBody>
       </p:sp>
     </p:spTree>
     <p:extLst>
       <p:ext uri="{BB962C8B-B14F-4D97-AF65-F5344CB8AC3E}">
-        <p14:creationId xmlns:p14="http://schemas.microsoft.com/office/powerpoint/2010/main" xmlns="" val="9290874"/>
+        <p14:creationId xmlns:p14="http://schemas.microsoft.com/office/powerpoint/2010/main" val="9290874"/>
       </p:ext>
     </p:extLst>
   </p:cSld>
   <p:clrMapOvr>
     <a:masterClrMapping/>
   </p:clrMapOvr>
-  <p:timing>
-    <p:tnLst>
-      <p:par>
-        <p:cTn id="1" dur="indefinite" restart="never" nodeType="tmRoot"/>
-      </p:par>
-    </p:tnLst>
-  </p:timing>
 </p:sld>
 </file>
 
